--- a/Präsentation1.pptx
+++ b/Präsentation1.pptx
@@ -16,7 +16,6 @@
     <p:sldId id="264" r:id="rId10"/>
     <p:sldId id="265" r:id="rId11"/>
     <p:sldId id="266" r:id="rId12"/>
-    <p:sldId id="267" r:id="rId13"/>
   </p:sldIdLst>
   <p:sldSz cx="12192000" cy="6858000"/>
   <p:notesSz cx="6858000" cy="9144000"/>
@@ -127,8 +126,8 @@
 <pc:chgInfo xmlns:a="http://schemas.openxmlformats.org/drawingml/2006/main" xmlns:r="http://schemas.openxmlformats.org/officeDocument/2006/relationships" xmlns:ac="http://schemas.microsoft.com/office/drawing/2013/main/command" xmlns:pc="http://schemas.microsoft.com/office/powerpoint/2013/main/command">
   <pc:docChgLst>
     <pc:chgData name="Daniel Schumi" userId="83c87b516d5b4dbd" providerId="LiveId" clId="{7C75ED11-8CEE-4B5B-9E71-ECB96BA7F87B}"/>
-    <pc:docChg chg="undo custSel addSld modSld sldOrd">
-      <pc:chgData name="Daniel Schumi" userId="83c87b516d5b4dbd" providerId="LiveId" clId="{7C75ED11-8CEE-4B5B-9E71-ECB96BA7F87B}" dt="2017-12-14T12:09:15.718" v="426" actId="14100"/>
+    <pc:docChg chg="undo custSel addSld delSld modSld sldOrd">
+      <pc:chgData name="Daniel Schumi" userId="83c87b516d5b4dbd" providerId="LiveId" clId="{7C75ED11-8CEE-4B5B-9E71-ECB96BA7F87B}" dt="2017-12-14T12:43:17.263" v="452" actId="1076"/>
       <pc:docMkLst>
         <pc:docMk/>
       </pc:docMkLst>
@@ -273,8 +272,8 @@
           </ac:picMkLst>
         </pc:picChg>
       </pc:sldChg>
-      <pc:sldChg chg="modSp">
-        <pc:chgData name="Daniel Schumi" userId="83c87b516d5b4dbd" providerId="LiveId" clId="{7C75ED11-8CEE-4B5B-9E71-ECB96BA7F87B}" dt="2017-12-14T10:57:43.653" v="79" actId="20577"/>
+      <pc:sldChg chg="addSp delSp modSp">
+        <pc:chgData name="Daniel Schumi" userId="83c87b516d5b4dbd" providerId="LiveId" clId="{7C75ED11-8CEE-4B5B-9E71-ECB96BA7F87B}" dt="2017-12-14T12:42:02.013" v="431" actId="1076"/>
         <pc:sldMkLst>
           <pc:docMk/>
           <pc:sldMk cId="2602014449" sldId="260"/>
@@ -287,9 +286,25 @@
             <ac:spMk id="4" creationId="{137B3DD0-E0AC-486F-BFDD-09EE55A59635}"/>
           </ac:spMkLst>
         </pc:spChg>
+        <pc:spChg chg="del">
+          <ac:chgData name="Daniel Schumi" userId="83c87b516d5b4dbd" providerId="LiveId" clId="{7C75ED11-8CEE-4B5B-9E71-ECB96BA7F87B}" dt="2017-12-14T12:41:55.262" v="428"/>
+          <ac:spMkLst>
+            <pc:docMk/>
+            <pc:sldMk cId="2602014449" sldId="260"/>
+            <ac:spMk id="5" creationId="{4A2642D2-5C58-473E-8E7E-7D1898F22175}"/>
+          </ac:spMkLst>
+        </pc:spChg>
+        <pc:picChg chg="add mod">
+          <ac:chgData name="Daniel Schumi" userId="83c87b516d5b4dbd" providerId="LiveId" clId="{7C75ED11-8CEE-4B5B-9E71-ECB96BA7F87B}" dt="2017-12-14T12:42:02.013" v="431" actId="1076"/>
+          <ac:picMkLst>
+            <pc:docMk/>
+            <pc:sldMk cId="2602014449" sldId="260"/>
+            <ac:picMk id="2" creationId="{5546ECEA-B853-443A-B102-64611A34B272}"/>
+          </ac:picMkLst>
+        </pc:picChg>
       </pc:sldChg>
-      <pc:sldChg chg="modSp">
-        <pc:chgData name="Daniel Schumi" userId="83c87b516d5b4dbd" providerId="LiveId" clId="{7C75ED11-8CEE-4B5B-9E71-ECB96BA7F87B}" dt="2017-12-14T10:57:52.153" v="99" actId="20577"/>
+      <pc:sldChg chg="addSp delSp modSp">
+        <pc:chgData name="Daniel Schumi" userId="83c87b516d5b4dbd" providerId="LiveId" clId="{7C75ED11-8CEE-4B5B-9E71-ECB96BA7F87B}" dt="2017-12-14T12:42:18.370" v="436" actId="1076"/>
         <pc:sldMkLst>
           <pc:docMk/>
           <pc:sldMk cId="1916617430" sldId="261"/>
@@ -302,9 +317,25 @@
             <ac:spMk id="4" creationId="{137B3DD0-E0AC-486F-BFDD-09EE55A59635}"/>
           </ac:spMkLst>
         </pc:spChg>
+        <pc:spChg chg="del">
+          <ac:chgData name="Daniel Schumi" userId="83c87b516d5b4dbd" providerId="LiveId" clId="{7C75ED11-8CEE-4B5B-9E71-ECB96BA7F87B}" dt="2017-12-14T12:42:12.986" v="432"/>
+          <ac:spMkLst>
+            <pc:docMk/>
+            <pc:sldMk cId="1916617430" sldId="261"/>
+            <ac:spMk id="5" creationId="{4A2642D2-5C58-473E-8E7E-7D1898F22175}"/>
+          </ac:spMkLst>
+        </pc:spChg>
+        <pc:picChg chg="add mod">
+          <ac:chgData name="Daniel Schumi" userId="83c87b516d5b4dbd" providerId="LiveId" clId="{7C75ED11-8CEE-4B5B-9E71-ECB96BA7F87B}" dt="2017-12-14T12:42:18.370" v="436" actId="1076"/>
+          <ac:picMkLst>
+            <pc:docMk/>
+            <pc:sldMk cId="1916617430" sldId="261"/>
+            <ac:picMk id="2" creationId="{931E16DB-A1D8-4988-95CC-8256C5A154E2}"/>
+          </ac:picMkLst>
+        </pc:picChg>
       </pc:sldChg>
-      <pc:sldChg chg="modSp">
-        <pc:chgData name="Daniel Schumi" userId="83c87b516d5b4dbd" providerId="LiveId" clId="{7C75ED11-8CEE-4B5B-9E71-ECB96BA7F87B}" dt="2017-12-14T10:58:01.793" v="111" actId="20577"/>
+      <pc:sldChg chg="addSp delSp modSp">
+        <pc:chgData name="Daniel Schumi" userId="83c87b516d5b4dbd" providerId="LiveId" clId="{7C75ED11-8CEE-4B5B-9E71-ECB96BA7F87B}" dt="2017-12-14T12:43:01.671" v="448" actId="1076"/>
         <pc:sldMkLst>
           <pc:docMk/>
           <pc:sldMk cId="3119892576" sldId="262"/>
@@ -317,9 +348,33 @@
             <ac:spMk id="4" creationId="{137B3DD0-E0AC-486F-BFDD-09EE55A59635}"/>
           </ac:spMkLst>
         </pc:spChg>
+        <pc:spChg chg="del">
+          <ac:chgData name="Daniel Schumi" userId="83c87b516d5b4dbd" providerId="LiveId" clId="{7C75ED11-8CEE-4B5B-9E71-ECB96BA7F87B}" dt="2017-12-14T12:42:33.782" v="437"/>
+          <ac:spMkLst>
+            <pc:docMk/>
+            <pc:sldMk cId="3119892576" sldId="262"/>
+            <ac:spMk id="5" creationId="{4A2642D2-5C58-473E-8E7E-7D1898F22175}"/>
+          </ac:spMkLst>
+        </pc:spChg>
+        <pc:picChg chg="add mod">
+          <ac:chgData name="Daniel Schumi" userId="83c87b516d5b4dbd" providerId="LiveId" clId="{7C75ED11-8CEE-4B5B-9E71-ECB96BA7F87B}" dt="2017-12-14T12:43:01.671" v="448" actId="1076"/>
+          <ac:picMkLst>
+            <pc:docMk/>
+            <pc:sldMk cId="3119892576" sldId="262"/>
+            <ac:picMk id="2" creationId="{A76FF1D0-599D-4909-92DA-7848447E2728}"/>
+          </ac:picMkLst>
+        </pc:picChg>
+        <pc:picChg chg="add mod">
+          <ac:chgData name="Daniel Schumi" userId="83c87b516d5b4dbd" providerId="LiveId" clId="{7C75ED11-8CEE-4B5B-9E71-ECB96BA7F87B}" dt="2017-12-14T12:42:58.634" v="445" actId="1076"/>
+          <ac:picMkLst>
+            <pc:docMk/>
+            <pc:sldMk cId="3119892576" sldId="262"/>
+            <ac:picMk id="3" creationId="{F7091DE9-D049-49D1-837D-F4D9799CFD47}"/>
+          </ac:picMkLst>
+        </pc:picChg>
       </pc:sldChg>
-      <pc:sldChg chg="modSp add">
-        <pc:chgData name="Daniel Schumi" userId="83c87b516d5b4dbd" providerId="LiveId" clId="{7C75ED11-8CEE-4B5B-9E71-ECB96BA7F87B}" dt="2017-12-14T11:01:52.273" v="128" actId="20577"/>
+      <pc:sldChg chg="addSp delSp modSp add">
+        <pc:chgData name="Daniel Schumi" userId="83c87b516d5b4dbd" providerId="LiveId" clId="{7C75ED11-8CEE-4B5B-9E71-ECB96BA7F87B}" dt="2017-12-14T12:43:17.263" v="452" actId="1076"/>
         <pc:sldMkLst>
           <pc:docMk/>
           <pc:sldMk cId="1512967277" sldId="263"/>
@@ -332,6 +387,22 @@
             <ac:spMk id="4" creationId="{137B3DD0-E0AC-486F-BFDD-09EE55A59635}"/>
           </ac:spMkLst>
         </pc:spChg>
+        <pc:spChg chg="del">
+          <ac:chgData name="Daniel Schumi" userId="83c87b516d5b4dbd" providerId="LiveId" clId="{7C75ED11-8CEE-4B5B-9E71-ECB96BA7F87B}" dt="2017-12-14T12:43:12.081" v="449"/>
+          <ac:spMkLst>
+            <pc:docMk/>
+            <pc:sldMk cId="1512967277" sldId="263"/>
+            <ac:spMk id="5" creationId="{4A2642D2-5C58-473E-8E7E-7D1898F22175}"/>
+          </ac:spMkLst>
+        </pc:spChg>
+        <pc:picChg chg="add mod">
+          <ac:chgData name="Daniel Schumi" userId="83c87b516d5b4dbd" providerId="LiveId" clId="{7C75ED11-8CEE-4B5B-9E71-ECB96BA7F87B}" dt="2017-12-14T12:43:17.263" v="452" actId="1076"/>
+          <ac:picMkLst>
+            <pc:docMk/>
+            <pc:sldMk cId="1512967277" sldId="263"/>
+            <ac:picMk id="2" creationId="{82C06829-8068-4F8D-8C75-D86E10BC16BA}"/>
+          </ac:picMkLst>
+        </pc:picChg>
       </pc:sldChg>
       <pc:sldChg chg="modSp add">
         <pc:chgData name="Daniel Schumi" userId="83c87b516d5b4dbd" providerId="LiveId" clId="{7C75ED11-8CEE-4B5B-9E71-ECB96BA7F87B}" dt="2017-12-14T11:02:05.053" v="150" actId="20577"/>
@@ -386,8 +457,8 @@
           </ac:spMkLst>
         </pc:spChg>
       </pc:sldChg>
-      <pc:sldChg chg="modSp add ord">
-        <pc:chgData name="Daniel Schumi" userId="83c87b516d5b4dbd" providerId="LiveId" clId="{7C75ED11-8CEE-4B5B-9E71-ECB96BA7F87B}" dt="2017-12-14T11:04:36.702" v="328" actId="20577"/>
+      <pc:sldChg chg="modSp add del ord">
+        <pc:chgData name="Daniel Schumi" userId="83c87b516d5b4dbd" providerId="LiveId" clId="{7C75ED11-8CEE-4B5B-9E71-ECB96BA7F87B}" dt="2017-12-14T12:30:41.249" v="427" actId="2696"/>
         <pc:sldMkLst>
           <pc:docMk/>
           <pc:sldMk cId="4047047529" sldId="267"/>
@@ -3940,89 +4011,6 @@
 </p:sld>
 </file>
 
-<file path=ppt/slides/slide12.xml><?xml version="1.0" encoding="utf-8"?>
-<p:sld xmlns:a="http://schemas.openxmlformats.org/drawingml/2006/main" xmlns:r="http://schemas.openxmlformats.org/officeDocument/2006/relationships" xmlns:p="http://schemas.openxmlformats.org/presentationml/2006/main">
-  <p:cSld>
-    <p:spTree>
-      <p:nvGrpSpPr>
-        <p:cNvPr id="1" name=""/>
-        <p:cNvGrpSpPr/>
-        <p:nvPr/>
-      </p:nvGrpSpPr>
-      <p:grpSpPr>
-        <a:xfrm>
-          <a:off x="0" y="0"/>
-          <a:ext cx="0" cy="0"/>
-          <a:chOff x="0" y="0"/>
-          <a:chExt cx="0" cy="0"/>
-        </a:xfrm>
-      </p:grpSpPr>
-      <p:sp>
-        <p:nvSpPr>
-          <p:cNvPr id="4" name="Titel 3">
-            <a:extLst>
-              <a:ext uri="{FF2B5EF4-FFF2-40B4-BE49-F238E27FC236}">
-                <a16:creationId xmlns:a16="http://schemas.microsoft.com/office/drawing/2014/main" id="{137B3DD0-E0AC-486F-BFDD-09EE55A59635}"/>
-              </a:ext>
-            </a:extLst>
-          </p:cNvPr>
-          <p:cNvSpPr>
-            <a:spLocks noGrp="1"/>
-          </p:cNvSpPr>
-          <p:nvPr>
-            <p:ph type="title"/>
-          </p:nvPr>
-        </p:nvSpPr>
-        <p:spPr/>
-        <p:txBody>
-          <a:bodyPr/>
-          <a:lstStyle/>
-          <a:p>
-            <a:r>
-              <a:rPr lang="de-CH" dirty="0"/>
-              <a:t>Ende</a:t>
-            </a:r>
-          </a:p>
-        </p:txBody>
-      </p:sp>
-      <p:sp>
-        <p:nvSpPr>
-          <p:cNvPr id="5" name="Inhaltsplatzhalter 4">
-            <a:extLst>
-              <a:ext uri="{FF2B5EF4-FFF2-40B4-BE49-F238E27FC236}">
-                <a16:creationId xmlns:a16="http://schemas.microsoft.com/office/drawing/2014/main" id="{4A2642D2-5C58-473E-8E7E-7D1898F22175}"/>
-              </a:ext>
-            </a:extLst>
-          </p:cNvPr>
-          <p:cNvSpPr>
-            <a:spLocks noGrp="1"/>
-          </p:cNvSpPr>
-          <p:nvPr>
-            <p:ph idx="1"/>
-          </p:nvPr>
-        </p:nvSpPr>
-        <p:spPr/>
-        <p:txBody>
-          <a:bodyPr/>
-          <a:lstStyle/>
-          <a:p>
-            <a:endParaRPr lang="de-CH"/>
-          </a:p>
-        </p:txBody>
-      </p:sp>
-    </p:spTree>
-    <p:extLst>
-      <p:ext uri="{BB962C8B-B14F-4D97-AF65-F5344CB8AC3E}">
-        <p14:creationId xmlns:p14="http://schemas.microsoft.com/office/powerpoint/2010/main" val="4047047529"/>
-      </p:ext>
-    </p:extLst>
-  </p:cSld>
-  <p:clrMapOvr>
-    <a:masterClrMapping/>
-  </p:clrMapOvr>
-</p:sld>
-</file>
-
 <file path=ppt/slides/slide2.xml><?xml version="1.0" encoding="utf-8"?>
 <p:sld xmlns:a="http://schemas.openxmlformats.org/drawingml/2006/main" xmlns:r="http://schemas.openxmlformats.org/officeDocument/2006/relationships" xmlns:p="http://schemas.openxmlformats.org/presentationml/2006/main">
   <p:cSld>
@@ -4430,31 +4418,38 @@
           </a:p>
         </p:txBody>
       </p:sp>
-      <p:sp>
-        <p:nvSpPr>
-          <p:cNvPr id="5" name="Inhaltsplatzhalter 4">
-            <a:extLst>
-              <a:ext uri="{FF2B5EF4-FFF2-40B4-BE49-F238E27FC236}">
-                <a16:creationId xmlns:a16="http://schemas.microsoft.com/office/drawing/2014/main" id="{4A2642D2-5C58-473E-8E7E-7D1898F22175}"/>
-              </a:ext>
-            </a:extLst>
-          </p:cNvPr>
-          <p:cNvSpPr>
-            <a:spLocks noGrp="1"/>
-          </p:cNvSpPr>
+      <p:pic>
+        <p:nvPicPr>
+          <p:cNvPr id="2" name="Inhaltsplatzhalter 1">
+            <a:extLst>
+              <a:ext uri="{FF2B5EF4-FFF2-40B4-BE49-F238E27FC236}">
+                <a16:creationId xmlns:a16="http://schemas.microsoft.com/office/drawing/2014/main" id="{5546ECEA-B853-443A-B102-64611A34B272}"/>
+              </a:ext>
+            </a:extLst>
+          </p:cNvPr>
+          <p:cNvPicPr>
+            <a:picLocks noGrp="1" noChangeAspect="1"/>
+          </p:cNvPicPr>
           <p:nvPr>
             <p:ph idx="1"/>
           </p:nvPr>
-        </p:nvSpPr>
-        <p:spPr/>
-        <p:txBody>
-          <a:bodyPr/>
-          <a:lstStyle/>
-          <a:p>
-            <a:endParaRPr lang="de-CH"/>
-          </a:p>
-        </p:txBody>
-      </p:sp>
+        </p:nvPicPr>
+        <p:blipFill>
+          <a:blip r:embed="rId2"/>
+          <a:stretch>
+            <a:fillRect/>
+          </a:stretch>
+        </p:blipFill>
+        <p:spPr>
+          <a:xfrm>
+            <a:off x="838200" y="2632587"/>
+            <a:ext cx="10850164" cy="2271252"/>
+          </a:xfrm>
+          <a:prstGeom prst="rect">
+            <a:avLst/>
+          </a:prstGeom>
+        </p:spPr>
+      </p:pic>
     </p:spTree>
     <p:extLst>
       <p:ext uri="{BB962C8B-B14F-4D97-AF65-F5344CB8AC3E}">
@@ -4518,31 +4513,38 @@
           </a:p>
         </p:txBody>
       </p:sp>
-      <p:sp>
-        <p:nvSpPr>
-          <p:cNvPr id="5" name="Inhaltsplatzhalter 4">
-            <a:extLst>
-              <a:ext uri="{FF2B5EF4-FFF2-40B4-BE49-F238E27FC236}">
-                <a16:creationId xmlns:a16="http://schemas.microsoft.com/office/drawing/2014/main" id="{4A2642D2-5C58-473E-8E7E-7D1898F22175}"/>
-              </a:ext>
-            </a:extLst>
-          </p:cNvPr>
-          <p:cNvSpPr>
-            <a:spLocks noGrp="1"/>
-          </p:cNvSpPr>
+      <p:pic>
+        <p:nvPicPr>
+          <p:cNvPr id="2" name="Inhaltsplatzhalter 1">
+            <a:extLst>
+              <a:ext uri="{FF2B5EF4-FFF2-40B4-BE49-F238E27FC236}">
+                <a16:creationId xmlns:a16="http://schemas.microsoft.com/office/drawing/2014/main" id="{931E16DB-A1D8-4988-95CC-8256C5A154E2}"/>
+              </a:ext>
+            </a:extLst>
+          </p:cNvPr>
+          <p:cNvPicPr>
+            <a:picLocks noGrp="1" noChangeAspect="1"/>
+          </p:cNvPicPr>
           <p:nvPr>
             <p:ph idx="1"/>
           </p:nvPr>
-        </p:nvSpPr>
-        <p:spPr/>
-        <p:txBody>
-          <a:bodyPr/>
-          <a:lstStyle/>
-          <a:p>
-            <a:endParaRPr lang="de-CH"/>
-          </a:p>
-        </p:txBody>
-      </p:sp>
+        </p:nvPicPr>
+        <p:blipFill>
+          <a:blip r:embed="rId2"/>
+          <a:stretch>
+            <a:fillRect/>
+          </a:stretch>
+        </p:blipFill>
+        <p:spPr>
+          <a:xfrm>
+            <a:off x="838200" y="2535512"/>
+            <a:ext cx="11119712" cy="2353578"/>
+          </a:xfrm>
+          <a:prstGeom prst="rect">
+            <a:avLst/>
+          </a:prstGeom>
+        </p:spPr>
+      </p:pic>
     </p:spTree>
     <p:extLst>
       <p:ext uri="{BB962C8B-B14F-4D97-AF65-F5344CB8AC3E}">
@@ -4601,31 +4603,68 @@
           </a:p>
         </p:txBody>
       </p:sp>
-      <p:sp>
-        <p:nvSpPr>
-          <p:cNvPr id="5" name="Inhaltsplatzhalter 4">
-            <a:extLst>
-              <a:ext uri="{FF2B5EF4-FFF2-40B4-BE49-F238E27FC236}">
-                <a16:creationId xmlns:a16="http://schemas.microsoft.com/office/drawing/2014/main" id="{4A2642D2-5C58-473E-8E7E-7D1898F22175}"/>
-              </a:ext>
-            </a:extLst>
-          </p:cNvPr>
-          <p:cNvSpPr>
-            <a:spLocks noGrp="1"/>
-          </p:cNvSpPr>
+      <p:pic>
+        <p:nvPicPr>
+          <p:cNvPr id="2" name="Inhaltsplatzhalter 1">
+            <a:extLst>
+              <a:ext uri="{FF2B5EF4-FFF2-40B4-BE49-F238E27FC236}">
+                <a16:creationId xmlns:a16="http://schemas.microsoft.com/office/drawing/2014/main" id="{A76FF1D0-599D-4909-92DA-7848447E2728}"/>
+              </a:ext>
+            </a:extLst>
+          </p:cNvPr>
+          <p:cNvPicPr>
+            <a:picLocks noGrp="1" noChangeAspect="1"/>
+          </p:cNvPicPr>
           <p:nvPr>
             <p:ph idx="1"/>
           </p:nvPr>
-        </p:nvSpPr>
-        <p:spPr/>
-        <p:txBody>
-          <a:bodyPr/>
-          <a:lstStyle/>
-          <a:p>
-            <a:endParaRPr lang="de-CH"/>
-          </a:p>
-        </p:txBody>
-      </p:sp>
+        </p:nvPicPr>
+        <p:blipFill>
+          <a:blip r:embed="rId2"/>
+          <a:stretch>
+            <a:fillRect/>
+          </a:stretch>
+        </p:blipFill>
+        <p:spPr>
+          <a:xfrm>
+            <a:off x="3945194" y="609330"/>
+            <a:ext cx="7729415" cy="4169987"/>
+          </a:xfrm>
+          <a:prstGeom prst="rect">
+            <a:avLst/>
+          </a:prstGeom>
+        </p:spPr>
+      </p:pic>
+      <p:pic>
+        <p:nvPicPr>
+          <p:cNvPr id="3" name="Grafik 2">
+            <a:extLst>
+              <a:ext uri="{FF2B5EF4-FFF2-40B4-BE49-F238E27FC236}">
+                <a16:creationId xmlns:a16="http://schemas.microsoft.com/office/drawing/2014/main" id="{F7091DE9-D049-49D1-837D-F4D9799CFD47}"/>
+              </a:ext>
+            </a:extLst>
+          </p:cNvPr>
+          <p:cNvPicPr>
+            <a:picLocks noChangeAspect="1"/>
+          </p:cNvPicPr>
+          <p:nvPr/>
+        </p:nvPicPr>
+        <p:blipFill>
+          <a:blip r:embed="rId3"/>
+          <a:stretch>
+            <a:fillRect/>
+          </a:stretch>
+        </p:blipFill>
+        <p:spPr>
+          <a:xfrm>
+            <a:off x="952009" y="5096407"/>
+            <a:ext cx="8429687" cy="1576399"/>
+          </a:xfrm>
+          <a:prstGeom prst="rect">
+            <a:avLst/>
+          </a:prstGeom>
+        </p:spPr>
+      </p:pic>
     </p:spTree>
     <p:extLst>
       <p:ext uri="{BB962C8B-B14F-4D97-AF65-F5344CB8AC3E}">
@@ -4693,31 +4732,38 @@
           </a:p>
         </p:txBody>
       </p:sp>
-      <p:sp>
-        <p:nvSpPr>
-          <p:cNvPr id="5" name="Inhaltsplatzhalter 4">
-            <a:extLst>
-              <a:ext uri="{FF2B5EF4-FFF2-40B4-BE49-F238E27FC236}">
-                <a16:creationId xmlns:a16="http://schemas.microsoft.com/office/drawing/2014/main" id="{4A2642D2-5C58-473E-8E7E-7D1898F22175}"/>
-              </a:ext>
-            </a:extLst>
-          </p:cNvPr>
-          <p:cNvSpPr>
-            <a:spLocks noGrp="1"/>
-          </p:cNvSpPr>
+      <p:pic>
+        <p:nvPicPr>
+          <p:cNvPr id="2" name="Inhaltsplatzhalter 1">
+            <a:extLst>
+              <a:ext uri="{FF2B5EF4-FFF2-40B4-BE49-F238E27FC236}">
+                <a16:creationId xmlns:a16="http://schemas.microsoft.com/office/drawing/2014/main" id="{82C06829-8068-4F8D-8C75-D86E10BC16BA}"/>
+              </a:ext>
+            </a:extLst>
+          </p:cNvPr>
+          <p:cNvPicPr>
+            <a:picLocks noGrp="1" noChangeAspect="1"/>
+          </p:cNvPicPr>
           <p:nvPr>
             <p:ph idx="1"/>
           </p:nvPr>
-        </p:nvSpPr>
-        <p:spPr/>
-        <p:txBody>
-          <a:bodyPr/>
-          <a:lstStyle/>
-          <a:p>
-            <a:endParaRPr lang="de-CH"/>
-          </a:p>
-        </p:txBody>
-      </p:sp>
+        </p:nvPicPr>
+        <p:blipFill>
+          <a:blip r:embed="rId2"/>
+          <a:stretch>
+            <a:fillRect/>
+          </a:stretch>
+        </p:blipFill>
+        <p:spPr>
+          <a:xfrm>
+            <a:off x="838200" y="2197833"/>
+            <a:ext cx="10687867" cy="3148457"/>
+          </a:xfrm>
+          <a:prstGeom prst="rect">
+            <a:avLst/>
+          </a:prstGeom>
+        </p:spPr>
+      </p:pic>
     </p:spTree>
     <p:extLst>
       <p:ext uri="{BB962C8B-B14F-4D97-AF65-F5344CB8AC3E}">
